--- a/colt-20/presentations/embed-dim-short-pres.pptx
+++ b/colt-20/presentations/embed-dim-short-pres.pptx
@@ -106,6 +106,11 @@
       </a:defRPr>
     </a:lvl9pPr>
   </p:defaultTextStyle>
+  <p:extLst>
+    <p:ext uri="{EFAFB233-063F-42B5-8137-9DF3F51BA10A}">
+      <p15:sldGuideLst xmlns:p15="http://schemas.microsoft.com/office/powerpoint/2012/main"/>
+    </p:ext>
+  </p:extLst>
 </p:presentation>
 </file>
 
@@ -256,7 +261,7 @@
           <a:p>
             <a:fld id="{47405599-BD91-4906-9D51-6CCE927762FF}" type="datetimeFigureOut">
               <a:rPr lang="en-US" smtClean="0"/>
-              <a:t>6/11/2020</a:t>
+              <a:t>6/13/2020</a:t>
             </a:fld>
             <a:endParaRPr lang="en-US"/>
           </a:p>
@@ -454,7 +459,7 @@
           <a:p>
             <a:fld id="{47405599-BD91-4906-9D51-6CCE927762FF}" type="datetimeFigureOut">
               <a:rPr lang="en-US" smtClean="0"/>
-              <a:t>6/11/2020</a:t>
+              <a:t>6/13/2020</a:t>
             </a:fld>
             <a:endParaRPr lang="en-US"/>
           </a:p>
@@ -662,7 +667,7 @@
           <a:p>
             <a:fld id="{47405599-BD91-4906-9D51-6CCE927762FF}" type="datetimeFigureOut">
               <a:rPr lang="en-US" smtClean="0"/>
-              <a:t>6/11/2020</a:t>
+              <a:t>6/13/2020</a:t>
             </a:fld>
             <a:endParaRPr lang="en-US"/>
           </a:p>
@@ -860,7 +865,7 @@
           <a:p>
             <a:fld id="{47405599-BD91-4906-9D51-6CCE927762FF}" type="datetimeFigureOut">
               <a:rPr lang="en-US" smtClean="0"/>
-              <a:t>6/11/2020</a:t>
+              <a:t>6/13/2020</a:t>
             </a:fld>
             <a:endParaRPr lang="en-US"/>
           </a:p>
@@ -1135,7 +1140,7 @@
           <a:p>
             <a:fld id="{47405599-BD91-4906-9D51-6CCE927762FF}" type="datetimeFigureOut">
               <a:rPr lang="en-US" smtClean="0"/>
-              <a:t>6/11/2020</a:t>
+              <a:t>6/13/2020</a:t>
             </a:fld>
             <a:endParaRPr lang="en-US"/>
           </a:p>
@@ -1400,7 +1405,7 @@
           <a:p>
             <a:fld id="{47405599-BD91-4906-9D51-6CCE927762FF}" type="datetimeFigureOut">
               <a:rPr lang="en-US" smtClean="0"/>
-              <a:t>6/11/2020</a:t>
+              <a:t>6/13/2020</a:t>
             </a:fld>
             <a:endParaRPr lang="en-US"/>
           </a:p>
@@ -1812,7 +1817,7 @@
           <a:p>
             <a:fld id="{47405599-BD91-4906-9D51-6CCE927762FF}" type="datetimeFigureOut">
               <a:rPr lang="en-US" smtClean="0"/>
-              <a:t>6/11/2020</a:t>
+              <a:t>6/13/2020</a:t>
             </a:fld>
             <a:endParaRPr lang="en-US"/>
           </a:p>
@@ -1953,7 +1958,7 @@
           <a:p>
             <a:fld id="{47405599-BD91-4906-9D51-6CCE927762FF}" type="datetimeFigureOut">
               <a:rPr lang="en-US" smtClean="0"/>
-              <a:t>6/11/2020</a:t>
+              <a:t>6/13/2020</a:t>
             </a:fld>
             <a:endParaRPr lang="en-US"/>
           </a:p>
@@ -2066,7 +2071,7 @@
           <a:p>
             <a:fld id="{47405599-BD91-4906-9D51-6CCE927762FF}" type="datetimeFigureOut">
               <a:rPr lang="en-US" smtClean="0"/>
-              <a:t>6/11/2020</a:t>
+              <a:t>6/13/2020</a:t>
             </a:fld>
             <a:endParaRPr lang="en-US"/>
           </a:p>
@@ -2377,7 +2382,7 @@
           <a:p>
             <a:fld id="{47405599-BD91-4906-9D51-6CCE927762FF}" type="datetimeFigureOut">
               <a:rPr lang="en-US" smtClean="0"/>
-              <a:t>6/11/2020</a:t>
+              <a:t>6/13/2020</a:t>
             </a:fld>
             <a:endParaRPr lang="en-US"/>
           </a:p>
@@ -2665,7 +2670,7 @@
           <a:p>
             <a:fld id="{47405599-BD91-4906-9D51-6CCE927762FF}" type="datetimeFigureOut">
               <a:rPr lang="en-US" smtClean="0"/>
-              <a:t>6/11/2020</a:t>
+              <a:t>6/13/2020</a:t>
             </a:fld>
             <a:endParaRPr lang="en-US"/>
           </a:p>
@@ -2906,7 +2911,7 @@
           <a:p>
             <a:fld id="{47405599-BD91-4906-9D51-6CCE927762FF}" type="datetimeFigureOut">
               <a:rPr lang="en-US" smtClean="0"/>
-              <a:t>6/11/2020</a:t>
+              <a:t>6/13/2020</a:t>
             </a:fld>
             <a:endParaRPr lang="en-US"/>
           </a:p>
@@ -3516,24 +3521,11 @@
                   </a:rPr>
                   <a:t>Given a discrete prediction problem, we want calibrated (therefore consistent) surrogates</a:t>
                 </a:r>
-              </a:p>
-              <a:p>
-                <a:pPr lvl="1"/>
-                <a:r>
-                  <a:rPr lang="en-US" dirty="0">
-                    <a:latin typeface="Helvetica" panose="020B0604020202020204" pitchFamily="34" charset="0"/>
-                    <a:cs typeface="Helvetica" panose="020B0604020202020204" pitchFamily="34" charset="0"/>
-                  </a:rPr>
-                  <a:t>Ex: 0-1 loss </a:t>
-                </a:r>
-                <a:r>
-                  <a:rPr lang="en-US" dirty="0">
-                    <a:latin typeface="Helvetica" panose="020B0604020202020204" pitchFamily="34" charset="0"/>
-                    <a:cs typeface="Helvetica" panose="020B0604020202020204" pitchFamily="34" charset="0"/>
-                    <a:sym typeface="Wingdings" panose="05000000000000000000" pitchFamily="2" charset="2"/>
-                  </a:rPr>
-                  <a:t> hinge loss</a:t>
-                </a:r>
+                <a:endParaRPr lang="en-US" dirty="0">
+                  <a:latin typeface="Helvetica" panose="020B0604020202020204" pitchFamily="34" charset="0"/>
+                  <a:cs typeface="Helvetica" panose="020B0604020202020204" pitchFamily="34" charset="0"/>
+                  <a:sym typeface="Wingdings" panose="05000000000000000000" pitchFamily="2" charset="2"/>
+                </a:endParaRPr>
               </a:p>
               <a:p>
                 <a:pPr lvl="1"/>
@@ -3543,7 +3535,7 @@
                     <a:cs typeface="Helvetica" panose="020B0604020202020204" pitchFamily="34" charset="0"/>
                     <a:sym typeface="Wingdings" panose="05000000000000000000" pitchFamily="2" charset="2"/>
                   </a:rPr>
-                  <a:t>Focus on polyhedral surrogates for their structure</a:t>
+                  <a:t>Focus on polyhedral surrogates for their structure (embeddings)</a:t>
                 </a:r>
               </a:p>
               <a:p>
@@ -3561,7 +3553,7 @@
                     <a:cs typeface="Helvetica" panose="020B0604020202020204" pitchFamily="34" charset="0"/>
                     <a:sym typeface="Wingdings" panose="05000000000000000000" pitchFamily="2" charset="2"/>
                   </a:rPr>
-                  <a:t>Tradeoff between calibration and surrogate dimension </a:t>
+                  <a:t>Tradeoff between calibration and prediction dimension </a:t>
                 </a:r>
                 <a:r>
                   <a:rPr lang="en-US" i="1" dirty="0">
@@ -3737,6 +3729,245 @@
   <p:clrMapOvr>
     <a:masterClrMapping/>
   </p:clrMapOvr>
+  <p:timing>
+    <p:tnLst>
+      <p:par>
+        <p:cTn id="1" dur="indefinite" restart="never" nodeType="tmRoot">
+          <p:childTnLst>
+            <p:seq concurrent="1" nextAc="seek">
+              <p:cTn id="2" dur="indefinite" nodeType="mainSeq">
+                <p:childTnLst>
+                  <p:par>
+                    <p:cTn id="3" fill="hold">
+                      <p:stCondLst>
+                        <p:cond delay="indefinite"/>
+                      </p:stCondLst>
+                      <p:childTnLst>
+                        <p:par>
+                          <p:cTn id="4" fill="hold">
+                            <p:stCondLst>
+                              <p:cond delay="0"/>
+                            </p:stCondLst>
+                            <p:childTnLst>
+                              <p:par>
+                                <p:cTn id="5" presetID="1" presetClass="entr" presetSubtype="0" fill="hold" nodeType="clickEffect">
+                                  <p:stCondLst>
+                                    <p:cond delay="0"/>
+                                  </p:stCondLst>
+                                  <p:childTnLst>
+                                    <p:set>
+                                      <p:cBhvr>
+                                        <p:cTn id="6" dur="1" fill="hold">
+                                          <p:stCondLst>
+                                            <p:cond delay="0"/>
+                                          </p:stCondLst>
+                                        </p:cTn>
+                                        <p:tgtEl>
+                                          <p:spTgt spid="3">
+                                            <p:txEl>
+                                              <p:pRg st="0" end="0"/>
+                                            </p:txEl>
+                                          </p:spTgt>
+                                        </p:tgtEl>
+                                        <p:attrNameLst>
+                                          <p:attrName>style.visibility</p:attrName>
+                                        </p:attrNameLst>
+                                      </p:cBhvr>
+                                      <p:to>
+                                        <p:strVal val="visible"/>
+                                      </p:to>
+                                    </p:set>
+                                  </p:childTnLst>
+                                </p:cTn>
+                              </p:par>
+                              <p:par>
+                                <p:cTn id="7" presetID="1" presetClass="entr" presetSubtype="0" fill="hold" nodeType="withEffect">
+                                  <p:stCondLst>
+                                    <p:cond delay="0"/>
+                                  </p:stCondLst>
+                                  <p:childTnLst>
+                                    <p:set>
+                                      <p:cBhvr>
+                                        <p:cTn id="8" dur="1" fill="hold">
+                                          <p:stCondLst>
+                                            <p:cond delay="0"/>
+                                          </p:stCondLst>
+                                        </p:cTn>
+                                        <p:tgtEl>
+                                          <p:spTgt spid="3">
+                                            <p:txEl>
+                                              <p:pRg st="1" end="1"/>
+                                            </p:txEl>
+                                          </p:spTgt>
+                                        </p:tgtEl>
+                                        <p:attrNameLst>
+                                          <p:attrName>style.visibility</p:attrName>
+                                        </p:attrNameLst>
+                                      </p:cBhvr>
+                                      <p:to>
+                                        <p:strVal val="visible"/>
+                                      </p:to>
+                                    </p:set>
+                                  </p:childTnLst>
+                                </p:cTn>
+                              </p:par>
+                            </p:childTnLst>
+                          </p:cTn>
+                        </p:par>
+                      </p:childTnLst>
+                    </p:cTn>
+                  </p:par>
+                  <p:par>
+                    <p:cTn id="9" fill="hold">
+                      <p:stCondLst>
+                        <p:cond delay="indefinite"/>
+                      </p:stCondLst>
+                      <p:childTnLst>
+                        <p:par>
+                          <p:cTn id="10" fill="hold">
+                            <p:stCondLst>
+                              <p:cond delay="0"/>
+                            </p:stCondLst>
+                            <p:childTnLst>
+                              <p:par>
+                                <p:cTn id="11" presetID="1" presetClass="entr" presetSubtype="0" fill="hold" nodeType="clickEffect">
+                                  <p:stCondLst>
+                                    <p:cond delay="0"/>
+                                  </p:stCondLst>
+                                  <p:childTnLst>
+                                    <p:set>
+                                      <p:cBhvr>
+                                        <p:cTn id="12" dur="1" fill="hold">
+                                          <p:stCondLst>
+                                            <p:cond delay="0"/>
+                                          </p:stCondLst>
+                                        </p:cTn>
+                                        <p:tgtEl>
+                                          <p:spTgt spid="3">
+                                            <p:txEl>
+                                              <p:pRg st="3" end="3"/>
+                                            </p:txEl>
+                                          </p:spTgt>
+                                        </p:tgtEl>
+                                        <p:attrNameLst>
+                                          <p:attrName>style.visibility</p:attrName>
+                                        </p:attrNameLst>
+                                      </p:cBhvr>
+                                      <p:to>
+                                        <p:strVal val="visible"/>
+                                      </p:to>
+                                    </p:set>
+                                  </p:childTnLst>
+                                </p:cTn>
+                              </p:par>
+                              <p:par>
+                                <p:cTn id="13" presetID="1" presetClass="entr" presetSubtype="0" fill="hold" nodeType="withEffect">
+                                  <p:stCondLst>
+                                    <p:cond delay="0"/>
+                                  </p:stCondLst>
+                                  <p:childTnLst>
+                                    <p:set>
+                                      <p:cBhvr>
+                                        <p:cTn id="14" dur="1" fill="hold">
+                                          <p:stCondLst>
+                                            <p:cond delay="0"/>
+                                          </p:stCondLst>
+                                        </p:cTn>
+                                        <p:tgtEl>
+                                          <p:spTgt spid="3">
+                                            <p:txEl>
+                                              <p:pRg st="4" end="4"/>
+                                            </p:txEl>
+                                          </p:spTgt>
+                                        </p:tgtEl>
+                                        <p:attrNameLst>
+                                          <p:attrName>style.visibility</p:attrName>
+                                        </p:attrNameLst>
+                                      </p:cBhvr>
+                                      <p:to>
+                                        <p:strVal val="visible"/>
+                                      </p:to>
+                                    </p:set>
+                                  </p:childTnLst>
+                                </p:cTn>
+                              </p:par>
+                            </p:childTnLst>
+                          </p:cTn>
+                        </p:par>
+                      </p:childTnLst>
+                    </p:cTn>
+                  </p:par>
+                  <p:par>
+                    <p:cTn id="15" fill="hold">
+                      <p:stCondLst>
+                        <p:cond delay="indefinite"/>
+                      </p:stCondLst>
+                      <p:childTnLst>
+                        <p:par>
+                          <p:cTn id="16" fill="hold">
+                            <p:stCondLst>
+                              <p:cond delay="0"/>
+                            </p:stCondLst>
+                            <p:childTnLst>
+                              <p:par>
+                                <p:cTn id="17" presetID="1" presetClass="entr" presetSubtype="0" fill="hold" nodeType="clickEffect">
+                                  <p:stCondLst>
+                                    <p:cond delay="0"/>
+                                  </p:stCondLst>
+                                  <p:childTnLst>
+                                    <p:set>
+                                      <p:cBhvr>
+                                        <p:cTn id="18" dur="1" fill="hold">
+                                          <p:stCondLst>
+                                            <p:cond delay="0"/>
+                                          </p:stCondLst>
+                                        </p:cTn>
+                                        <p:tgtEl>
+                                          <p:spTgt spid="3">
+                                            <p:txEl>
+                                              <p:pRg st="5" end="5"/>
+                                            </p:txEl>
+                                          </p:spTgt>
+                                        </p:tgtEl>
+                                        <p:attrNameLst>
+                                          <p:attrName>style.visibility</p:attrName>
+                                        </p:attrNameLst>
+                                      </p:cBhvr>
+                                      <p:to>
+                                        <p:strVal val="visible"/>
+                                      </p:to>
+                                    </p:set>
+                                  </p:childTnLst>
+                                </p:cTn>
+                              </p:par>
+                            </p:childTnLst>
+                          </p:cTn>
+                        </p:par>
+                      </p:childTnLst>
+                    </p:cTn>
+                  </p:par>
+                </p:childTnLst>
+              </p:cTn>
+              <p:prevCondLst>
+                <p:cond evt="onPrev" delay="0">
+                  <p:tgtEl>
+                    <p:sldTgt/>
+                  </p:tgtEl>
+                </p:cond>
+              </p:prevCondLst>
+              <p:nextCondLst>
+                <p:cond evt="onNext" delay="0">
+                  <p:tgtEl>
+                    <p:sldTgt/>
+                  </p:tgtEl>
+                </p:cond>
+              </p:nextCondLst>
+            </p:seq>
+          </p:childTnLst>
+        </p:cTn>
+      </p:par>
+    </p:tnLst>
+  </p:timing>
 </p:sld>
 </file>
 
@@ -3814,7 +4045,16 @@
                 <a:latin typeface="Helvetica" panose="020B0604020202020204" pitchFamily="34" charset="0"/>
                 <a:cs typeface="Helvetica" panose="020B0604020202020204" pitchFamily="34" charset="0"/>
               </a:rPr>
-              <a:t>Complete characterization of losses that can be embedded on the real line</a:t>
+              <a:t>Complete characterization of 1-d losses</a:t>
+            </a:r>
+          </a:p>
+          <a:p>
+            <a:r>
+              <a:rPr lang="en-US" dirty="0">
+                <a:latin typeface="Helvetica" panose="020B0604020202020204" pitchFamily="34" charset="0"/>
+                <a:cs typeface="Helvetica" panose="020B0604020202020204" pitchFamily="34" charset="0"/>
+              </a:rPr>
+              <a:t>On real line, embedding and consistency are equivalent</a:t>
             </a:r>
           </a:p>
           <a:p>
@@ -3838,6 +4078,186 @@
   <p:clrMapOvr>
     <a:masterClrMapping/>
   </p:clrMapOvr>
+  <p:timing>
+    <p:tnLst>
+      <p:par>
+        <p:cTn id="1" dur="indefinite" restart="never" nodeType="tmRoot">
+          <p:childTnLst>
+            <p:seq concurrent="1" nextAc="seek">
+              <p:cTn id="2" dur="indefinite" nodeType="mainSeq">
+                <p:childTnLst>
+                  <p:par>
+                    <p:cTn id="3" fill="hold">
+                      <p:stCondLst>
+                        <p:cond delay="indefinite"/>
+                      </p:stCondLst>
+                      <p:childTnLst>
+                        <p:par>
+                          <p:cTn id="4" fill="hold">
+                            <p:stCondLst>
+                              <p:cond delay="0"/>
+                            </p:stCondLst>
+                            <p:childTnLst>
+                              <p:par>
+                                <p:cTn id="5" presetID="1" presetClass="entr" presetSubtype="0" fill="hold" grpId="0" nodeType="clickEffect">
+                                  <p:stCondLst>
+                                    <p:cond delay="0"/>
+                                  </p:stCondLst>
+                                  <p:childTnLst>
+                                    <p:set>
+                                      <p:cBhvr>
+                                        <p:cTn id="6" dur="1" fill="hold">
+                                          <p:stCondLst>
+                                            <p:cond delay="0"/>
+                                          </p:stCondLst>
+                                        </p:cTn>
+                                        <p:tgtEl>
+                                          <p:spTgt spid="3">
+                                            <p:txEl>
+                                              <p:pRg st="0" end="0"/>
+                                            </p:txEl>
+                                          </p:spTgt>
+                                        </p:tgtEl>
+                                        <p:attrNameLst>
+                                          <p:attrName>style.visibility</p:attrName>
+                                        </p:attrNameLst>
+                                      </p:cBhvr>
+                                      <p:to>
+                                        <p:strVal val="visible"/>
+                                      </p:to>
+                                    </p:set>
+                                  </p:childTnLst>
+                                </p:cTn>
+                              </p:par>
+                            </p:childTnLst>
+                          </p:cTn>
+                        </p:par>
+                      </p:childTnLst>
+                    </p:cTn>
+                  </p:par>
+                  <p:par>
+                    <p:cTn id="7" fill="hold">
+                      <p:stCondLst>
+                        <p:cond delay="indefinite"/>
+                      </p:stCondLst>
+                      <p:childTnLst>
+                        <p:par>
+                          <p:cTn id="8" fill="hold">
+                            <p:stCondLst>
+                              <p:cond delay="0"/>
+                            </p:stCondLst>
+                            <p:childTnLst>
+                              <p:par>
+                                <p:cTn id="9" presetID="1" presetClass="entr" presetSubtype="0" fill="hold" grpId="0" nodeType="clickEffect">
+                                  <p:stCondLst>
+                                    <p:cond delay="0"/>
+                                  </p:stCondLst>
+                                  <p:childTnLst>
+                                    <p:set>
+                                      <p:cBhvr>
+                                        <p:cTn id="10" dur="1" fill="hold">
+                                          <p:stCondLst>
+                                            <p:cond delay="0"/>
+                                          </p:stCondLst>
+                                        </p:cTn>
+                                        <p:tgtEl>
+                                          <p:spTgt spid="3">
+                                            <p:txEl>
+                                              <p:pRg st="1" end="1"/>
+                                            </p:txEl>
+                                          </p:spTgt>
+                                        </p:tgtEl>
+                                        <p:attrNameLst>
+                                          <p:attrName>style.visibility</p:attrName>
+                                        </p:attrNameLst>
+                                      </p:cBhvr>
+                                      <p:to>
+                                        <p:strVal val="visible"/>
+                                      </p:to>
+                                    </p:set>
+                                  </p:childTnLst>
+                                </p:cTn>
+                              </p:par>
+                            </p:childTnLst>
+                          </p:cTn>
+                        </p:par>
+                      </p:childTnLst>
+                    </p:cTn>
+                  </p:par>
+                  <p:par>
+                    <p:cTn id="11" fill="hold">
+                      <p:stCondLst>
+                        <p:cond delay="indefinite"/>
+                      </p:stCondLst>
+                      <p:childTnLst>
+                        <p:par>
+                          <p:cTn id="12" fill="hold">
+                            <p:stCondLst>
+                              <p:cond delay="0"/>
+                            </p:stCondLst>
+                            <p:childTnLst>
+                              <p:par>
+                                <p:cTn id="13" presetID="1" presetClass="entr" presetSubtype="0" fill="hold" grpId="0" nodeType="clickEffect">
+                                  <p:stCondLst>
+                                    <p:cond delay="0"/>
+                                  </p:stCondLst>
+                                  <p:childTnLst>
+                                    <p:set>
+                                      <p:cBhvr>
+                                        <p:cTn id="14" dur="1" fill="hold">
+                                          <p:stCondLst>
+                                            <p:cond delay="0"/>
+                                          </p:stCondLst>
+                                        </p:cTn>
+                                        <p:tgtEl>
+                                          <p:spTgt spid="3">
+                                            <p:txEl>
+                                              <p:pRg st="2" end="2"/>
+                                            </p:txEl>
+                                          </p:spTgt>
+                                        </p:tgtEl>
+                                        <p:attrNameLst>
+                                          <p:attrName>style.visibility</p:attrName>
+                                        </p:attrNameLst>
+                                      </p:cBhvr>
+                                      <p:to>
+                                        <p:strVal val="visible"/>
+                                      </p:to>
+                                    </p:set>
+                                  </p:childTnLst>
+                                </p:cTn>
+                              </p:par>
+                            </p:childTnLst>
+                          </p:cTn>
+                        </p:par>
+                      </p:childTnLst>
+                    </p:cTn>
+                  </p:par>
+                </p:childTnLst>
+              </p:cTn>
+              <p:prevCondLst>
+                <p:cond evt="onPrev" delay="0">
+                  <p:tgtEl>
+                    <p:sldTgt/>
+                  </p:tgtEl>
+                </p:cond>
+              </p:prevCondLst>
+              <p:nextCondLst>
+                <p:cond evt="onNext" delay="0">
+                  <p:tgtEl>
+                    <p:sldTgt/>
+                  </p:tgtEl>
+                </p:cond>
+              </p:nextCondLst>
+            </p:seq>
+          </p:childTnLst>
+        </p:cTn>
+      </p:par>
+    </p:tnLst>
+    <p:bldLst>
+      <p:bldP spid="3" grpId="0" build="p"/>
+    </p:bldLst>
+  </p:timing>
 </p:sld>
 </file>
 
